--- a/instructors/slides-new-pptx/Git2.pptx
+++ b/instructors/slides-new-pptx/Git2.pptx
@@ -5,7 +5,7 @@
     <p:sldMasterId id="2147483648" r:id="rId1"/>
   </p:sldMasterIdLst>
   <p:notesMasterIdLst>
-    <p:notesMasterId r:id="rId33"/>
+    <p:notesMasterId r:id="rId29"/>
   </p:notesMasterIdLst>
   <p:sldIdLst>
     <p:sldId id="256" r:id="rId2"/>
@@ -33,12 +33,8 @@
     <p:sldId id="412" r:id="rId24"/>
     <p:sldId id="413" r:id="rId25"/>
     <p:sldId id="419" r:id="rId26"/>
-    <p:sldId id="387" r:id="rId27"/>
-    <p:sldId id="414" r:id="rId28"/>
-    <p:sldId id="420" r:id="rId29"/>
-    <p:sldId id="404" r:id="rId30"/>
-    <p:sldId id="415" r:id="rId31"/>
-    <p:sldId id="416" r:id="rId32"/>
+    <p:sldId id="404" r:id="rId27"/>
+    <p:sldId id="420" r:id="rId28"/>
   </p:sldIdLst>
   <p:sldSz cx="12192000" cy="6858000"/>
   <p:notesSz cx="6858000" cy="9144000"/>
@@ -2746,7 +2742,7 @@
           <a:p>
             <a:fld id="{DB0822CF-44C7-4F54-8042-D2C639435B02}" type="datetimeFigureOut">
               <a:rPr lang="en-CA" smtClean="0"/>
-              <a:t>2024-02-09</a:t>
+              <a:t>2024-02-26</a:t>
             </a:fld>
             <a:endParaRPr lang="en-CA"/>
           </a:p>
@@ -3212,222 +3208,6 @@
 </p:notes>
 </file>
 
-<file path=ppt/notesSlides/notesSlide11.xml><?xml version="1.0" encoding="utf-8"?>
-<p:notes xmlns:a="http://schemas.openxmlformats.org/drawingml/2006/main" xmlns:r="http://schemas.openxmlformats.org/officeDocument/2006/relationships" xmlns:p="http://schemas.openxmlformats.org/presentationml/2006/main">
-  <p:cSld>
-    <p:spTree>
-      <p:nvGrpSpPr>
-        <p:cNvPr id="1" name="">
-          <a:extLst>
-            <a:ext uri="{FF2B5EF4-FFF2-40B4-BE49-F238E27FC236}">
-              <a16:creationId xmlns:a16="http://schemas.microsoft.com/office/drawing/2014/main" id="{A8A15337-92EF-1B4B-9C9C-5E94307B5989}"/>
-            </a:ext>
-          </a:extLst>
-        </p:cNvPr>
-        <p:cNvGrpSpPr/>
-        <p:nvPr/>
-      </p:nvGrpSpPr>
-      <p:grpSpPr>
-        <a:xfrm>
-          <a:off x="0" y="0"/>
-          <a:ext cx="0" cy="0"/>
-          <a:chOff x="0" y="0"/>
-          <a:chExt cx="0" cy="0"/>
-        </a:xfrm>
-      </p:grpSpPr>
-      <p:sp>
-        <p:nvSpPr>
-          <p:cNvPr id="2" name="Slide Image Placeholder 1">
-            <a:extLst>
-              <a:ext uri="{FF2B5EF4-FFF2-40B4-BE49-F238E27FC236}">
-                <a16:creationId xmlns:a16="http://schemas.microsoft.com/office/drawing/2014/main" id="{AE5133D4-CB99-F4D9-18CA-47CC50E2BB56}"/>
-              </a:ext>
-            </a:extLst>
-          </p:cNvPr>
-          <p:cNvSpPr>
-            <a:spLocks noGrp="1" noRot="1" noChangeAspect="1"/>
-          </p:cNvSpPr>
-          <p:nvPr>
-            <p:ph type="sldImg"/>
-          </p:nvPr>
-        </p:nvSpPr>
-        <p:spPr/>
-      </p:sp>
-      <p:sp>
-        <p:nvSpPr>
-          <p:cNvPr id="3" name="Notes Placeholder 2">
-            <a:extLst>
-              <a:ext uri="{FF2B5EF4-FFF2-40B4-BE49-F238E27FC236}">
-                <a16:creationId xmlns:a16="http://schemas.microsoft.com/office/drawing/2014/main" id="{99819B0D-72CB-2880-AF45-6444291F4FB6}"/>
-              </a:ext>
-            </a:extLst>
-          </p:cNvPr>
-          <p:cNvSpPr>
-            <a:spLocks noGrp="1"/>
-          </p:cNvSpPr>
-          <p:nvPr>
-            <p:ph type="body" idx="1"/>
-          </p:nvPr>
-        </p:nvSpPr>
-        <p:spPr/>
-        <p:txBody>
-          <a:bodyPr/>
-          <a:lstStyle/>
-          <a:p>
-            <a:endParaRPr lang="en-CA"/>
-          </a:p>
-        </p:txBody>
-      </p:sp>
-      <p:sp>
-        <p:nvSpPr>
-          <p:cNvPr id="4" name="Slide Number Placeholder 3">
-            <a:extLst>
-              <a:ext uri="{FF2B5EF4-FFF2-40B4-BE49-F238E27FC236}">
-                <a16:creationId xmlns:a16="http://schemas.microsoft.com/office/drawing/2014/main" id="{62B1B8DB-74E7-845D-ACBE-4E7786E96728}"/>
-              </a:ext>
-            </a:extLst>
-          </p:cNvPr>
-          <p:cNvSpPr>
-            <a:spLocks noGrp="1"/>
-          </p:cNvSpPr>
-          <p:nvPr>
-            <p:ph type="sldNum" sz="quarter" idx="5"/>
-          </p:nvPr>
-        </p:nvSpPr>
-        <p:spPr/>
-        <p:txBody>
-          <a:bodyPr/>
-          <a:lstStyle/>
-          <a:p>
-            <a:fld id="{E90DDB1C-9AD6-42C0-80A8-4585A70457A2}" type="slidenum">
-              <a:rPr lang="en-CA" smtClean="0"/>
-              <a:t>27</a:t>
-            </a:fld>
-            <a:endParaRPr lang="en-CA"/>
-          </a:p>
-        </p:txBody>
-      </p:sp>
-    </p:spTree>
-    <p:extLst>
-      <p:ext uri="{BB962C8B-B14F-4D97-AF65-F5344CB8AC3E}">
-        <p14:creationId xmlns:p14="http://schemas.microsoft.com/office/powerpoint/2010/main" val="1330040811"/>
-      </p:ext>
-    </p:extLst>
-  </p:cSld>
-  <p:clrMapOvr>
-    <a:masterClrMapping/>
-  </p:clrMapOvr>
-</p:notes>
-</file>
-
-<file path=ppt/notesSlides/notesSlide12.xml><?xml version="1.0" encoding="utf-8"?>
-<p:notes xmlns:a="http://schemas.openxmlformats.org/drawingml/2006/main" xmlns:r="http://schemas.openxmlformats.org/officeDocument/2006/relationships" xmlns:p="http://schemas.openxmlformats.org/presentationml/2006/main">
-  <p:cSld>
-    <p:spTree>
-      <p:nvGrpSpPr>
-        <p:cNvPr id="1" name="">
-          <a:extLst>
-            <a:ext uri="{FF2B5EF4-FFF2-40B4-BE49-F238E27FC236}">
-              <a16:creationId xmlns:a16="http://schemas.microsoft.com/office/drawing/2014/main" id="{BEABE4C6-3F4B-5078-EC74-BC3E5709C452}"/>
-            </a:ext>
-          </a:extLst>
-        </p:cNvPr>
-        <p:cNvGrpSpPr/>
-        <p:nvPr/>
-      </p:nvGrpSpPr>
-      <p:grpSpPr>
-        <a:xfrm>
-          <a:off x="0" y="0"/>
-          <a:ext cx="0" cy="0"/>
-          <a:chOff x="0" y="0"/>
-          <a:chExt cx="0" cy="0"/>
-        </a:xfrm>
-      </p:grpSpPr>
-      <p:sp>
-        <p:nvSpPr>
-          <p:cNvPr id="2" name="Slide Image Placeholder 1">
-            <a:extLst>
-              <a:ext uri="{FF2B5EF4-FFF2-40B4-BE49-F238E27FC236}">
-                <a16:creationId xmlns:a16="http://schemas.microsoft.com/office/drawing/2014/main" id="{CA073AA6-9EF9-03B9-F8EE-549F0A4D897B}"/>
-              </a:ext>
-            </a:extLst>
-          </p:cNvPr>
-          <p:cNvSpPr>
-            <a:spLocks noGrp="1" noRot="1" noChangeAspect="1"/>
-          </p:cNvSpPr>
-          <p:nvPr>
-            <p:ph type="sldImg"/>
-          </p:nvPr>
-        </p:nvSpPr>
-        <p:spPr/>
-      </p:sp>
-      <p:sp>
-        <p:nvSpPr>
-          <p:cNvPr id="3" name="Notes Placeholder 2">
-            <a:extLst>
-              <a:ext uri="{FF2B5EF4-FFF2-40B4-BE49-F238E27FC236}">
-                <a16:creationId xmlns:a16="http://schemas.microsoft.com/office/drawing/2014/main" id="{FDB8F6C7-37C4-4974-1BB1-D92B9533CB35}"/>
-              </a:ext>
-            </a:extLst>
-          </p:cNvPr>
-          <p:cNvSpPr>
-            <a:spLocks noGrp="1"/>
-          </p:cNvSpPr>
-          <p:nvPr>
-            <p:ph type="body" idx="1"/>
-          </p:nvPr>
-        </p:nvSpPr>
-        <p:spPr/>
-        <p:txBody>
-          <a:bodyPr/>
-          <a:lstStyle/>
-          <a:p>
-            <a:endParaRPr lang="en-CA"/>
-          </a:p>
-        </p:txBody>
-      </p:sp>
-      <p:sp>
-        <p:nvSpPr>
-          <p:cNvPr id="4" name="Slide Number Placeholder 3">
-            <a:extLst>
-              <a:ext uri="{FF2B5EF4-FFF2-40B4-BE49-F238E27FC236}">
-                <a16:creationId xmlns:a16="http://schemas.microsoft.com/office/drawing/2014/main" id="{26CF3813-98D3-9370-CB8F-EE886A8BD066}"/>
-              </a:ext>
-            </a:extLst>
-          </p:cNvPr>
-          <p:cNvSpPr>
-            <a:spLocks noGrp="1"/>
-          </p:cNvSpPr>
-          <p:nvPr>
-            <p:ph type="sldNum" sz="quarter" idx="5"/>
-          </p:nvPr>
-        </p:nvSpPr>
-        <p:spPr/>
-        <p:txBody>
-          <a:bodyPr/>
-          <a:lstStyle/>
-          <a:p>
-            <a:fld id="{E90DDB1C-9AD6-42C0-80A8-4585A70457A2}" type="slidenum">
-              <a:rPr lang="en-CA" smtClean="0"/>
-              <a:t>30</a:t>
-            </a:fld>
-            <a:endParaRPr lang="en-CA"/>
-          </a:p>
-        </p:txBody>
-      </p:sp>
-    </p:spTree>
-    <p:extLst>
-      <p:ext uri="{BB962C8B-B14F-4D97-AF65-F5344CB8AC3E}">
-        <p14:creationId xmlns:p14="http://schemas.microsoft.com/office/powerpoint/2010/main" val="1563240993"/>
-      </p:ext>
-    </p:extLst>
-  </p:cSld>
-  <p:clrMapOvr>
-    <a:masterClrMapping/>
-  </p:clrMapOvr>
-</p:notes>
-</file>
-
 <file path=ppt/notesSlides/notesSlide2.xml><?xml version="1.0" encoding="utf-8"?>
 <p:notes xmlns:a="http://schemas.openxmlformats.org/drawingml/2006/main" xmlns:r="http://schemas.openxmlformats.org/officeDocument/2006/relationships" xmlns:p="http://schemas.openxmlformats.org/presentationml/2006/main">
   <p:cSld>
@@ -4356,7 +4136,7 @@
           <a:p>
             <a:fld id="{15DD531D-CD33-4CCA-A9F4-801B4DC6DE97}" type="datetime1">
               <a:rPr lang="en-CA" smtClean="0"/>
-              <a:t>2024-02-09</a:t>
+              <a:t>2024-02-26</a:t>
             </a:fld>
             <a:endParaRPr lang="en-CA"/>
           </a:p>
@@ -4556,7 +4336,7 @@
           <a:p>
             <a:fld id="{881C09FB-5088-4BB5-926E-AD501C410C89}" type="datetime1">
               <a:rPr lang="en-CA" smtClean="0"/>
-              <a:t>2024-02-09</a:t>
+              <a:t>2024-02-26</a:t>
             </a:fld>
             <a:endParaRPr lang="en-CA"/>
           </a:p>
@@ -4766,7 +4546,7 @@
           <a:p>
             <a:fld id="{D51DB666-4A5D-4131-9BFC-FF078879E05A}" type="datetime1">
               <a:rPr lang="en-CA" smtClean="0"/>
-              <a:t>2024-02-09</a:t>
+              <a:t>2024-02-26</a:t>
             </a:fld>
             <a:endParaRPr lang="en-CA"/>
           </a:p>
@@ -5005,7 +4785,7 @@
           <a:p>
             <a:fld id="{3DE21B8F-B226-45BF-A0F0-9EE6BFA2E9CB}" type="datetime1">
               <a:rPr lang="en-CA" smtClean="0"/>
-              <a:t>2024-02-09</a:t>
+              <a:t>2024-02-26</a:t>
             </a:fld>
             <a:endParaRPr lang="en-CA"/>
           </a:p>
@@ -5533,7 +5313,7 @@
           <a:p>
             <a:fld id="{FBA8854A-CB01-42ED-8006-63C1259CF1B0}" type="datetime1">
               <a:rPr lang="en-CA" smtClean="0"/>
-              <a:t>2024-02-09</a:t>
+              <a:t>2024-02-26</a:t>
             </a:fld>
             <a:endParaRPr lang="en-CA"/>
           </a:p>
@@ -5830,7 +5610,7 @@
           <a:p>
             <a:fld id="{EACA304B-0E3F-4D87-8DB6-2CE65829C064}" type="datetime1">
               <a:rPr lang="en-CA" smtClean="0"/>
-              <a:t>2024-02-09</a:t>
+              <a:t>2024-02-26</a:t>
             </a:fld>
             <a:endParaRPr lang="en-CA"/>
           </a:p>
@@ -6106,7 +5886,7 @@
           <a:p>
             <a:fld id="{99D8F586-4F73-4F59-9718-A84B96C93025}" type="datetime1">
               <a:rPr lang="en-CA" smtClean="0"/>
-              <a:t>2024-02-09</a:t>
+              <a:t>2024-02-26</a:t>
             </a:fld>
             <a:endParaRPr lang="en-CA"/>
           </a:p>
@@ -6417,7 +6197,7 @@
           <a:p>
             <a:fld id="{FA0EB9DB-77FC-4059-BA28-39DC1E61FE1D}" type="datetime1">
               <a:rPr lang="en-CA" smtClean="0"/>
-              <a:t>2024-02-09</a:t>
+              <a:t>2024-02-26</a:t>
             </a:fld>
             <a:endParaRPr lang="en-CA"/>
           </a:p>
@@ -6832,7 +6612,7 @@
           <a:p>
             <a:fld id="{81E4BCF9-C67B-47AB-89A7-C1D6E0C877A5}" type="datetime1">
               <a:rPr lang="en-CA" smtClean="0"/>
-              <a:t>2024-02-09</a:t>
+              <a:t>2024-02-26</a:t>
             </a:fld>
             <a:endParaRPr lang="en-CA"/>
           </a:p>
@@ -6974,7 +6754,7 @@
           <a:p>
             <a:fld id="{A43972BF-200C-4958-8111-AE14FB3A3FC9}" type="datetime1">
               <a:rPr lang="en-CA" smtClean="0"/>
-              <a:t>2024-02-09</a:t>
+              <a:t>2024-02-26</a:t>
             </a:fld>
             <a:endParaRPr lang="en-CA"/>
           </a:p>
@@ -7087,7 +6867,7 @@
           <a:p>
             <a:fld id="{C701C174-D9A9-489B-A9F7-D67F7421F94A}" type="datetime1">
               <a:rPr lang="en-CA" smtClean="0"/>
-              <a:t>2024-02-09</a:t>
+              <a:t>2024-02-26</a:t>
             </a:fld>
             <a:endParaRPr lang="en-CA"/>
           </a:p>
@@ -7400,7 +7180,7 @@
           <a:p>
             <a:fld id="{857CEB7D-97D3-47A9-9A07-1A14BC5DF2FC}" type="datetime1">
               <a:rPr lang="en-CA" smtClean="0"/>
-              <a:t>2024-02-09</a:t>
+              <a:t>2024-02-26</a:t>
             </a:fld>
             <a:endParaRPr lang="en-CA"/>
           </a:p>
@@ -7689,7 +7469,7 @@
           <a:p>
             <a:fld id="{0EC688DA-DA88-4D59-975E-F54BEE572667}" type="datetime1">
               <a:rPr lang="en-CA" smtClean="0"/>
-              <a:t>2024-02-09</a:t>
+              <a:t>2024-02-26</a:t>
             </a:fld>
             <a:endParaRPr lang="en-CA"/>
           </a:p>
@@ -7932,7 +7712,7 @@
           <a:p>
             <a:fld id="{FBA8854A-CB01-42ED-8006-63C1259CF1B0}" type="datetime1">
               <a:rPr lang="en-CA" smtClean="0"/>
-              <a:t>2024-02-09</a:t>
+              <a:t>2024-02-26</a:t>
             </a:fld>
             <a:endParaRPr lang="en-CA"/>
           </a:p>
@@ -8476,17 +8256,6 @@
               <a:t>University of Toronto</a:t>
             </a:r>
           </a:p>
-          <a:p>
-            <a:pPr algn="l"/>
-            <a:endParaRPr lang="en-CA" dirty="0"/>
-          </a:p>
-          <a:p>
-            <a:pPr algn="l"/>
-            <a:r>
-              <a:rPr lang="en-CA" b="1" dirty="0"/>
-              <a:t>Simeon Wong</a:t>
-            </a:r>
-          </a:p>
         </p:txBody>
       </p:sp>
       <p:pic>
@@ -16782,176 +16551,10 @@
   <p:cSld>
     <p:spTree>
       <p:nvGrpSpPr>
-        <p:cNvPr id="1" name=""/>
-        <p:cNvGrpSpPr/>
-        <p:nvPr/>
-      </p:nvGrpSpPr>
-      <p:grpSpPr>
-        <a:xfrm>
-          <a:off x="0" y="0"/>
-          <a:ext cx="0" cy="0"/>
-          <a:chOff x="0" y="0"/>
-          <a:chExt cx="0" cy="0"/>
-        </a:xfrm>
-      </p:grpSpPr>
-      <p:sp>
-        <p:nvSpPr>
-          <p:cNvPr id="2" name="Title 1">
-            <a:extLst>
-              <a:ext uri="{FF2B5EF4-FFF2-40B4-BE49-F238E27FC236}">
-                <a16:creationId xmlns:a16="http://schemas.microsoft.com/office/drawing/2014/main" id="{67548B3A-42D6-F497-CC5C-BF9470FA3EE8}"/>
-              </a:ext>
-            </a:extLst>
-          </p:cNvPr>
-          <p:cNvSpPr>
-            <a:spLocks noGrp="1"/>
-          </p:cNvSpPr>
-          <p:nvPr>
-            <p:ph type="title"/>
-          </p:nvPr>
-        </p:nvSpPr>
-        <p:spPr/>
-        <p:txBody>
-          <a:bodyPr/>
-          <a:lstStyle/>
-          <a:p>
-            <a:r>
-              <a:rPr lang="en-CA"/>
-              <a:t>Merge conflicts</a:t>
-            </a:r>
-          </a:p>
-        </p:txBody>
-      </p:sp>
-      <p:sp>
-        <p:nvSpPr>
-          <p:cNvPr id="3" name="Content Placeholder 2">
-            <a:extLst>
-              <a:ext uri="{FF2B5EF4-FFF2-40B4-BE49-F238E27FC236}">
-                <a16:creationId xmlns:a16="http://schemas.microsoft.com/office/drawing/2014/main" id="{C76E5F11-3F44-68C3-5CF1-3E25777F9A75}"/>
-              </a:ext>
-            </a:extLst>
-          </p:cNvPr>
-          <p:cNvSpPr>
-            <a:spLocks noGrp="1"/>
-          </p:cNvSpPr>
-          <p:nvPr>
-            <p:ph idx="1"/>
-          </p:nvPr>
-        </p:nvSpPr>
-        <p:spPr/>
-        <p:txBody>
-          <a:bodyPr/>
-          <a:lstStyle/>
-          <a:p>
-            <a:r>
-              <a:rPr lang="en-CA"/>
-              <a:t>Code might be modified in both branches that are being merged</a:t>
-            </a:r>
-          </a:p>
-          <a:p>
-            <a:r>
-              <a:rPr lang="en-CA"/>
-              <a:t>Git does not know which change (or neither or both) should be kept</a:t>
-            </a:r>
-          </a:p>
-          <a:p>
-            <a:pPr lvl="1"/>
-            <a:r>
-              <a:rPr lang="en-CA"/>
-              <a:t>More recent is not always the right one!</a:t>
-            </a:r>
-          </a:p>
-          <a:p>
-            <a:r>
-              <a:rPr lang="en-CA"/>
-              <a:t>Git will alert you that you need to step in.</a:t>
-            </a:r>
-          </a:p>
-        </p:txBody>
-      </p:sp>
-      <p:sp>
-        <p:nvSpPr>
-          <p:cNvPr id="4" name="Slide Number Placeholder 3">
-            <a:extLst>
-              <a:ext uri="{FF2B5EF4-FFF2-40B4-BE49-F238E27FC236}">
-                <a16:creationId xmlns:a16="http://schemas.microsoft.com/office/drawing/2014/main" id="{D5FDCDD9-CDBA-323C-7D90-5D01DBCBA304}"/>
-              </a:ext>
-            </a:extLst>
-          </p:cNvPr>
-          <p:cNvSpPr>
-            <a:spLocks noGrp="1"/>
-          </p:cNvSpPr>
-          <p:nvPr>
-            <p:ph type="sldNum" sz="quarter" idx="12"/>
-          </p:nvPr>
-        </p:nvSpPr>
-        <p:spPr/>
-        <p:txBody>
-          <a:bodyPr/>
-          <a:lstStyle/>
-          <a:p>
-            <a:fld id="{4F883B06-9FA1-44A8-8ACD-51391BD89E0C}" type="slidenum">
-              <a:rPr lang="en-CA" smtClean="0"/>
-              <a:t>26</a:t>
-            </a:fld>
-            <a:endParaRPr lang="en-CA"/>
-          </a:p>
-        </p:txBody>
-      </p:sp>
-      <p:sp>
-        <p:nvSpPr>
-          <p:cNvPr id="5" name="Text Placeholder 4">
-            <a:extLst>
-              <a:ext uri="{FF2B5EF4-FFF2-40B4-BE49-F238E27FC236}">
-                <a16:creationId xmlns:a16="http://schemas.microsoft.com/office/drawing/2014/main" id="{6BC50516-4560-C0EA-1D18-9DF8DAEA16B5}"/>
-              </a:ext>
-            </a:extLst>
-          </p:cNvPr>
-          <p:cNvSpPr>
-            <a:spLocks noGrp="1"/>
-          </p:cNvSpPr>
-          <p:nvPr>
-            <p:ph type="body" sz="quarter" idx="13"/>
-          </p:nvPr>
-        </p:nvSpPr>
-        <p:spPr/>
-        <p:txBody>
-          <a:bodyPr/>
-          <a:lstStyle/>
-          <a:p>
-            <a:r>
-              <a:rPr lang="en-CA"/>
-              <a:t>Git: </a:t>
-            </a:r>
-            <a:r>
-              <a:rPr lang="en-CA" b="0"/>
-              <a:t>Merge conflicts</a:t>
-            </a:r>
-          </a:p>
-        </p:txBody>
-      </p:sp>
-    </p:spTree>
-    <p:extLst>
-      <p:ext uri="{BB962C8B-B14F-4D97-AF65-F5344CB8AC3E}">
-        <p14:creationId xmlns:p14="http://schemas.microsoft.com/office/powerpoint/2010/main" val="3261243743"/>
-      </p:ext>
-    </p:extLst>
-  </p:cSld>
-  <p:clrMapOvr>
-    <a:masterClrMapping/>
-  </p:clrMapOvr>
-</p:sld>
-</file>
-
-<file path=ppt/slides/slide27.xml><?xml version="1.0" encoding="utf-8"?>
-<p:sld xmlns:a="http://schemas.openxmlformats.org/drawingml/2006/main" xmlns:r="http://schemas.openxmlformats.org/officeDocument/2006/relationships" xmlns:p="http://schemas.openxmlformats.org/presentationml/2006/main" showMasterPhAnim="0">
-  <p:cSld>
-    <p:spTree>
-      <p:nvGrpSpPr>
         <p:cNvPr id="1" name="">
           <a:extLst>
             <a:ext uri="{FF2B5EF4-FFF2-40B4-BE49-F238E27FC236}">
-              <a16:creationId xmlns:a16="http://schemas.microsoft.com/office/drawing/2014/main" id="{51131FBC-3185-2B86-AC21-5DFDE0978874}"/>
+              <a16:creationId xmlns:a16="http://schemas.microsoft.com/office/drawing/2014/main" id="{081C62FC-EFB7-BE72-4B92-8368930E23D5}"/>
             </a:ext>
           </a:extLst>
         </p:cNvPr>
@@ -16971,7 +16574,7 @@
           <p:cNvPr id="2" name="Title 1">
             <a:extLst>
               <a:ext uri="{FF2B5EF4-FFF2-40B4-BE49-F238E27FC236}">
-                <a16:creationId xmlns:a16="http://schemas.microsoft.com/office/drawing/2014/main" id="{BE753B38-120B-D846-C134-AFE146659C61}"/>
+                <a16:creationId xmlns:a16="http://schemas.microsoft.com/office/drawing/2014/main" id="{294817E9-528B-026A-8F2F-6DFC5920DA8A}"/>
               </a:ext>
             </a:extLst>
           </p:cNvPr>
@@ -16988,19 +16591,14 @@
           <a:lstStyle/>
           <a:p>
             <a:r>
-              <a:rPr lang="en-CA">
-                <a:solidFill>
-                  <a:schemeClr val="accent3">
-                    <a:lumMod val="75000"/>
-                  </a:schemeClr>
-                </a:solidFill>
-              </a:rPr>
-              <a:t>$&gt; </a:t>
-            </a:r>
-            <a:r>
               <a:rPr lang="en-CA"/>
-              <a:t>Interactive live coding</a:t>
-            </a:r>
+              <a:t>.</a:t>
+            </a:r>
+            <a:r>
+              <a:rPr lang="en-CA" err="1"/>
+              <a:t>gitignore</a:t>
+            </a:r>
+            <a:endParaRPr lang="en-CA"/>
           </a:p>
         </p:txBody>
       </p:sp>
@@ -17009,7 +16607,7 @@
           <p:cNvPr id="3" name="Content Placeholder 2">
             <a:extLst>
               <a:ext uri="{FF2B5EF4-FFF2-40B4-BE49-F238E27FC236}">
-                <a16:creationId xmlns:a16="http://schemas.microsoft.com/office/drawing/2014/main" id="{16EB2D3D-11ED-88A1-C0EE-290B0F544874}"/>
+                <a16:creationId xmlns:a16="http://schemas.microsoft.com/office/drawing/2014/main" id="{E6E7EE25-81C0-1258-2BAB-3AE5B7EBF72E}"/>
               </a:ext>
             </a:extLst>
           </p:cNvPr>
@@ -17020,40 +16618,43 @@
             <p:ph idx="1"/>
           </p:nvPr>
         </p:nvSpPr>
-        <p:spPr>
-          <a:xfrm>
-            <a:off x="838200" y="1825625"/>
-            <a:ext cx="10515600" cy="4708944"/>
-          </a:xfrm>
-        </p:spPr>
-        <p:txBody>
-          <a:bodyPr>
-            <a:normAutofit lnSpcReduction="10000"/>
-          </a:bodyPr>
-          <a:lstStyle/>
-          <a:p>
-            <a:pPr marL="457200" indent="-457200">
-              <a:buFont typeface="+mj-lt"/>
-              <a:buAutoNum type="arabicPeriod"/>
-            </a:pPr>
+        <p:spPr/>
+        <p:txBody>
+          <a:bodyPr/>
+          <a:lstStyle/>
+          <a:p>
+            <a:r>
+              <a:rPr lang="en-CA" dirty="0"/>
+              <a:t>Why?</a:t>
+            </a:r>
+          </a:p>
+          <a:p>
+            <a:pPr lvl="1"/>
+            <a:r>
+              <a:rPr lang="en-CA" dirty="0"/>
+              <a:t>Large data files, intermediate output, secret keys, </a:t>
+            </a:r>
+            <a:r>
+              <a:rPr lang="en-CA" dirty="0" err="1"/>
+              <a:t>etc</a:t>
+            </a:r>
+            <a:r>
+              <a:rPr lang="en-CA" dirty="0"/>
+              <a:t>…</a:t>
+            </a:r>
+          </a:p>
+          <a:p>
+            <a:r>
+              <a:rPr lang="en-CA" dirty="0"/>
+              <a:t>Defined in the </a:t>
+            </a:r>
             <a:r>
               <a:rPr lang="en-CA" dirty="0">
                 <a:latin typeface="Cascadia Code" panose="020B0609020000020004" pitchFamily="49" charset="0"/>
                 <a:ea typeface="Cascadia Code" panose="020B0609020000020004" pitchFamily="49" charset="0"/>
                 <a:cs typeface="Cascadia Code" panose="020B0609020000020004" pitchFamily="49" charset="0"/>
               </a:rPr>
-              <a:t>git switch main</a:t>
-            </a:r>
-            <a:endParaRPr lang="en-CA" dirty="0"/>
-          </a:p>
-          <a:p>
-            <a:pPr marL="457200" indent="-457200">
-              <a:buFont typeface="+mj-lt"/>
-              <a:buAutoNum type="arabicPeriod"/>
-            </a:pPr>
-            <a:r>
-              <a:rPr lang="en-CA" dirty="0"/>
-              <a:t>Edit </a:t>
+              <a:t>.</a:t>
             </a:r>
             <a:r>
               <a:rPr lang="en-CA" dirty="0" err="1">
@@ -17061,35 +16662,35 @@
                 <a:ea typeface="Cascadia Code" panose="020B0609020000020004" pitchFamily="49" charset="0"/>
                 <a:cs typeface="Cascadia Code" panose="020B0609020000020004" pitchFamily="49" charset="0"/>
               </a:rPr>
-              <a:t>mycode</a:t>
+              <a:t>gitignore</a:t>
             </a:r>
             <a:r>
               <a:rPr lang="en-CA" dirty="0"/>
-              <a:t>, commit</a:t>
-            </a:r>
-          </a:p>
-          <a:p>
-            <a:pPr marL="457200" indent="-457200">
-              <a:buFont typeface="+mj-lt"/>
-              <a:buAutoNum type="arabicPeriod"/>
-            </a:pPr>
+              <a:t> file</a:t>
+            </a:r>
+          </a:p>
+          <a:p>
+            <a:r>
+              <a:rPr lang="en-CA" dirty="0"/>
+              <a:t>Specify path with wildcards</a:t>
+            </a:r>
+          </a:p>
+          <a:p>
+            <a:r>
+              <a:rPr lang="en-CA" b="1" dirty="0"/>
+              <a:t>Best practice: </a:t>
+            </a:r>
+            <a:r>
+              <a:rPr lang="en-CA" dirty="0"/>
+              <a:t>use existing </a:t>
+            </a:r>
             <a:r>
               <a:rPr lang="en-CA" dirty="0">
                 <a:latin typeface="Cascadia Code" panose="020B0609020000020004" pitchFamily="49" charset="0"/>
                 <a:ea typeface="Cascadia Code" panose="020B0609020000020004" pitchFamily="49" charset="0"/>
                 <a:cs typeface="Cascadia Code" panose="020B0609020000020004" pitchFamily="49" charset="0"/>
               </a:rPr>
-              <a:t>git switch -c feature2</a:t>
-            </a:r>
-          </a:p>
-          <a:p>
-            <a:pPr marL="457200" indent="-457200">
-              <a:buFont typeface="+mj-lt"/>
-              <a:buAutoNum type="arabicPeriod"/>
-            </a:pPr>
-            <a:r>
-              <a:rPr lang="en-CA" dirty="0"/>
-              <a:t>Edit </a:t>
+              <a:t>.</a:t>
             </a:r>
             <a:r>
               <a:rPr lang="en-CA" dirty="0" err="1">
@@ -17097,83 +16698,26 @@
                 <a:ea typeface="Cascadia Code" panose="020B0609020000020004" pitchFamily="49" charset="0"/>
                 <a:cs typeface="Cascadia Code" panose="020B0609020000020004" pitchFamily="49" charset="0"/>
               </a:rPr>
-              <a:t>mycode</a:t>
-            </a:r>
-            <a:r>
-              <a:rPr lang="en-CA" dirty="0"/>
-              <a:t>, commit</a:t>
-            </a:r>
-          </a:p>
-          <a:p>
-            <a:pPr marL="457200" indent="-457200">
-              <a:buFont typeface="+mj-lt"/>
-              <a:buAutoNum type="arabicPeriod"/>
-            </a:pPr>
+              <a:t>gitignore</a:t>
+            </a:r>
             <a:r>
               <a:rPr lang="en-CA" dirty="0">
                 <a:latin typeface="Cascadia Code" panose="020B0609020000020004" pitchFamily="49" charset="0"/>
                 <a:ea typeface="Cascadia Code" panose="020B0609020000020004" pitchFamily="49" charset="0"/>
                 <a:cs typeface="Cascadia Code" panose="020B0609020000020004" pitchFamily="49" charset="0"/>
               </a:rPr>
-              <a:t>git switch main ; git merge feature2 ;</a:t>
-            </a:r>
-          </a:p>
-          <a:p>
-            <a:pPr marL="457200" indent="-457200">
-              <a:buFont typeface="+mj-lt"/>
-              <a:buAutoNum type="arabicPeriod"/>
-            </a:pPr>
+              <a:t> </a:t>
+            </a:r>
             <a:r>
               <a:rPr lang="en-CA" dirty="0"/>
-              <a:t>Resolve conflict, complete merge</a:t>
-            </a:r>
-          </a:p>
-          <a:p>
-            <a:pPr marL="914400" lvl="2" indent="0">
-              <a:buNone/>
-            </a:pPr>
+              <a:t>templates</a:t>
+            </a:r>
+          </a:p>
+          <a:p>
+            <a:pPr lvl="1"/>
             <a:r>
               <a:rPr lang="en-CA" dirty="0"/>
-              <a:t>Manually edit to remove the merge conflict indicators.</a:t>
-            </a:r>
-          </a:p>
-          <a:p>
-            <a:pPr marL="1828800" lvl="4" indent="0">
-              <a:buNone/>
-            </a:pPr>
-            <a:r>
-              <a:rPr lang="en-CA" dirty="0">
-                <a:latin typeface="Cascadia Code" panose="020B0609020000020004" pitchFamily="49" charset="0"/>
-                <a:ea typeface="Cascadia Code" panose="020B0609020000020004" pitchFamily="49" charset="0"/>
-                <a:cs typeface="Cascadia Code" panose="020B0609020000020004" pitchFamily="49" charset="0"/>
-              </a:rPr>
-              <a:t>nano </a:t>
-            </a:r>
-            <a:r>
-              <a:rPr lang="en-CA" dirty="0" err="1">
-                <a:latin typeface="Cascadia Code" panose="020B0609020000020004" pitchFamily="49" charset="0"/>
-                <a:ea typeface="Cascadia Code" panose="020B0609020000020004" pitchFamily="49" charset="0"/>
-                <a:cs typeface="Cascadia Code" panose="020B0609020000020004" pitchFamily="49" charset="0"/>
-              </a:rPr>
-              <a:t>mycode</a:t>
-            </a:r>
-            <a:endParaRPr lang="en-CA" dirty="0">
-              <a:latin typeface="Cascadia Code" panose="020B0609020000020004" pitchFamily="49" charset="0"/>
-              <a:ea typeface="Cascadia Code" panose="020B0609020000020004" pitchFamily="49" charset="0"/>
-              <a:cs typeface="Cascadia Code" panose="020B0609020000020004" pitchFamily="49" charset="0"/>
-            </a:endParaRPr>
-          </a:p>
-          <a:p>
-            <a:pPr marL="1828800" lvl="4" indent="0">
-              <a:buNone/>
-            </a:pPr>
-            <a:r>
-              <a:rPr lang="en-CA" dirty="0">
-                <a:latin typeface="Cascadia Code" panose="020B0609020000020004" pitchFamily="49" charset="0"/>
-                <a:ea typeface="Cascadia Code" panose="020B0609020000020004" pitchFamily="49" charset="0"/>
-                <a:cs typeface="Cascadia Code" panose="020B0609020000020004" pitchFamily="49" charset="0"/>
-              </a:rPr>
-              <a:t>git commit –am “resolve merge conflict”</a:t>
+              <a:t>Find them on GitHub: https://github.com/github/gitignore/blob/main/Python.gitignore</a:t>
             </a:r>
           </a:p>
         </p:txBody>
@@ -17183,7 +16727,7 @@
           <p:cNvPr id="4" name="Slide Number Placeholder 3">
             <a:extLst>
               <a:ext uri="{FF2B5EF4-FFF2-40B4-BE49-F238E27FC236}">
-                <a16:creationId xmlns:a16="http://schemas.microsoft.com/office/drawing/2014/main" id="{8BA3CADD-306B-50F6-4593-E800770FEDFF}"/>
+                <a16:creationId xmlns:a16="http://schemas.microsoft.com/office/drawing/2014/main" id="{4ED4D23E-E799-1A74-2330-5BCAEE759D00}"/>
               </a:ext>
             </a:extLst>
           </p:cNvPr>
@@ -17201,7 +16745,7 @@
           <a:p>
             <a:fld id="{4F883B06-9FA1-44A8-8ACD-51391BD89E0C}" type="slidenum">
               <a:rPr lang="en-CA" smtClean="0"/>
-              <a:t>27</a:t>
+              <a:t>26</a:t>
             </a:fld>
             <a:endParaRPr lang="en-CA"/>
           </a:p>
@@ -17212,7 +16756,7 @@
           <p:cNvPr id="5" name="Text Placeholder 4">
             <a:extLst>
               <a:ext uri="{FF2B5EF4-FFF2-40B4-BE49-F238E27FC236}">
-                <a16:creationId xmlns:a16="http://schemas.microsoft.com/office/drawing/2014/main" id="{F0139FBB-4B0F-586D-D2DE-E5EF59E59FBF}"/>
+                <a16:creationId xmlns:a16="http://schemas.microsoft.com/office/drawing/2014/main" id="{CF04E62F-956A-76E6-CCBC-8FC8C58AB034}"/>
               </a:ext>
             </a:extLst>
           </p:cNvPr>
@@ -17234,76 +16778,15 @@
             </a:r>
             <a:r>
               <a:rPr lang="en-CA" b="0"/>
-              <a:t>Merge conflicts</a:t>
-            </a:r>
-          </a:p>
-        </p:txBody>
-      </p:sp>
-      <p:sp>
-        <p:nvSpPr>
-          <p:cNvPr id="6" name="Rectangle 5">
-            <a:extLst>
-              <a:ext uri="{FF2B5EF4-FFF2-40B4-BE49-F238E27FC236}">
-                <a16:creationId xmlns:a16="http://schemas.microsoft.com/office/drawing/2014/main" id="{1BEAC4A3-CD7F-AC1D-19D0-78C053A046DB}"/>
-              </a:ext>
-            </a:extLst>
-          </p:cNvPr>
-          <p:cNvSpPr/>
-          <p:nvPr/>
-        </p:nvSpPr>
-        <p:spPr>
-          <a:xfrm>
-            <a:off x="533400" y="379624"/>
-            <a:ext cx="89452" cy="6154945"/>
-          </a:xfrm>
-          <a:prstGeom prst="rect">
-            <a:avLst/>
-          </a:prstGeom>
-          <a:solidFill>
-            <a:schemeClr val="tx1">
-              <a:lumMod val="50000"/>
-              <a:lumOff val="50000"/>
-            </a:schemeClr>
-          </a:solidFill>
-          <a:ln>
-            <a:noFill/>
-          </a:ln>
-        </p:spPr>
-        <p:style>
-          <a:lnRef idx="2">
-            <a:schemeClr val="accent1">
-              <a:shade val="15000"/>
-            </a:schemeClr>
-          </a:lnRef>
-          <a:fillRef idx="1">
-            <a:schemeClr val="accent1"/>
-          </a:fillRef>
-          <a:effectRef idx="0">
-            <a:schemeClr val="accent1"/>
-          </a:effectRef>
-          <a:fontRef idx="minor">
-            <a:schemeClr val="lt1"/>
-          </a:fontRef>
-        </p:style>
-        <p:txBody>
-          <a:bodyPr rtlCol="0" anchor="ctr"/>
-          <a:lstStyle/>
-          <a:p>
-            <a:pPr algn="ctr"/>
-            <a:endParaRPr lang="en-CA">
-              <a:solidFill>
-                <a:schemeClr val="accent3">
-                  <a:lumMod val="75000"/>
-                </a:schemeClr>
-              </a:solidFill>
-            </a:endParaRPr>
+              <a:t>Ignoring files</a:t>
+            </a:r>
           </a:p>
         </p:txBody>
       </p:sp>
     </p:spTree>
     <p:extLst>
       <p:ext uri="{BB962C8B-B14F-4D97-AF65-F5344CB8AC3E}">
-        <p14:creationId xmlns:p14="http://schemas.microsoft.com/office/powerpoint/2010/main" val="4165335403"/>
+        <p14:creationId xmlns:p14="http://schemas.microsoft.com/office/powerpoint/2010/main" val="1435135678"/>
       </p:ext>
     </p:extLst>
   </p:cSld>
@@ -17313,7 +16796,7 @@
 </p:sld>
 </file>
 
-<file path=ppt/slides/slide28.xml><?xml version="1.0" encoding="utf-8"?>
+<file path=ppt/slides/slide27.xml><?xml version="1.0" encoding="utf-8"?>
 <p:sld xmlns:a="http://schemas.openxmlformats.org/drawingml/2006/main" xmlns:r="http://schemas.openxmlformats.org/officeDocument/2006/relationships" xmlns:p="http://schemas.openxmlformats.org/presentationml/2006/main">
   <p:cSld>
     <p:spTree>
@@ -17398,7 +16881,7 @@
           <a:p>
             <a:fld id="{4F883B06-9FA1-44A8-8ACD-51391BD89E0C}" type="slidenum">
               <a:rPr lang="en-CA" smtClean="0"/>
-              <a:t>28</a:t>
+              <a:t>27</a:t>
             </a:fld>
             <a:endParaRPr lang="en-CA"/>
           </a:p>
@@ -17408,256 +16891,6 @@
     <p:extLst>
       <p:ext uri="{BB962C8B-B14F-4D97-AF65-F5344CB8AC3E}">
         <p14:creationId xmlns:p14="http://schemas.microsoft.com/office/powerpoint/2010/main" val="101130464"/>
-      </p:ext>
-    </p:extLst>
-  </p:cSld>
-  <p:clrMapOvr>
-    <a:masterClrMapping/>
-  </p:clrMapOvr>
-</p:sld>
-</file>
-
-<file path=ppt/slides/slide29.xml><?xml version="1.0" encoding="utf-8"?>
-<p:sld xmlns:a="http://schemas.openxmlformats.org/drawingml/2006/main" xmlns:r="http://schemas.openxmlformats.org/officeDocument/2006/relationships" xmlns:p="http://schemas.openxmlformats.org/presentationml/2006/main">
-  <p:cSld>
-    <p:spTree>
-      <p:nvGrpSpPr>
-        <p:cNvPr id="1" name="">
-          <a:extLst>
-            <a:ext uri="{FF2B5EF4-FFF2-40B4-BE49-F238E27FC236}">
-              <a16:creationId xmlns:a16="http://schemas.microsoft.com/office/drawing/2014/main" id="{081C62FC-EFB7-BE72-4B92-8368930E23D5}"/>
-            </a:ext>
-          </a:extLst>
-        </p:cNvPr>
-        <p:cNvGrpSpPr/>
-        <p:nvPr/>
-      </p:nvGrpSpPr>
-      <p:grpSpPr>
-        <a:xfrm>
-          <a:off x="0" y="0"/>
-          <a:ext cx="0" cy="0"/>
-          <a:chOff x="0" y="0"/>
-          <a:chExt cx="0" cy="0"/>
-        </a:xfrm>
-      </p:grpSpPr>
-      <p:sp>
-        <p:nvSpPr>
-          <p:cNvPr id="2" name="Title 1">
-            <a:extLst>
-              <a:ext uri="{FF2B5EF4-FFF2-40B4-BE49-F238E27FC236}">
-                <a16:creationId xmlns:a16="http://schemas.microsoft.com/office/drawing/2014/main" id="{294817E9-528B-026A-8F2F-6DFC5920DA8A}"/>
-              </a:ext>
-            </a:extLst>
-          </p:cNvPr>
-          <p:cNvSpPr>
-            <a:spLocks noGrp="1"/>
-          </p:cNvSpPr>
-          <p:nvPr>
-            <p:ph type="title"/>
-          </p:nvPr>
-        </p:nvSpPr>
-        <p:spPr/>
-        <p:txBody>
-          <a:bodyPr/>
-          <a:lstStyle/>
-          <a:p>
-            <a:r>
-              <a:rPr lang="en-CA"/>
-              <a:t>.</a:t>
-            </a:r>
-            <a:r>
-              <a:rPr lang="en-CA" err="1"/>
-              <a:t>gitignore</a:t>
-            </a:r>
-            <a:endParaRPr lang="en-CA"/>
-          </a:p>
-        </p:txBody>
-      </p:sp>
-      <p:sp>
-        <p:nvSpPr>
-          <p:cNvPr id="3" name="Content Placeholder 2">
-            <a:extLst>
-              <a:ext uri="{FF2B5EF4-FFF2-40B4-BE49-F238E27FC236}">
-                <a16:creationId xmlns:a16="http://schemas.microsoft.com/office/drawing/2014/main" id="{E6E7EE25-81C0-1258-2BAB-3AE5B7EBF72E}"/>
-              </a:ext>
-            </a:extLst>
-          </p:cNvPr>
-          <p:cNvSpPr>
-            <a:spLocks noGrp="1"/>
-          </p:cNvSpPr>
-          <p:nvPr>
-            <p:ph idx="1"/>
-          </p:nvPr>
-        </p:nvSpPr>
-        <p:spPr/>
-        <p:txBody>
-          <a:bodyPr/>
-          <a:lstStyle/>
-          <a:p>
-            <a:r>
-              <a:rPr lang="en-CA" dirty="0"/>
-              <a:t>Why?</a:t>
-            </a:r>
-          </a:p>
-          <a:p>
-            <a:pPr lvl="1"/>
-            <a:r>
-              <a:rPr lang="en-CA" dirty="0"/>
-              <a:t>Large data files, intermediate output, secret keys, </a:t>
-            </a:r>
-            <a:r>
-              <a:rPr lang="en-CA" dirty="0" err="1"/>
-              <a:t>etc</a:t>
-            </a:r>
-            <a:r>
-              <a:rPr lang="en-CA" dirty="0"/>
-              <a:t>…</a:t>
-            </a:r>
-          </a:p>
-          <a:p>
-            <a:r>
-              <a:rPr lang="en-CA" dirty="0"/>
-              <a:t>Defined in the </a:t>
-            </a:r>
-            <a:r>
-              <a:rPr lang="en-CA" dirty="0">
-                <a:latin typeface="Cascadia Code" panose="020B0609020000020004" pitchFamily="49" charset="0"/>
-                <a:ea typeface="Cascadia Code" panose="020B0609020000020004" pitchFamily="49" charset="0"/>
-                <a:cs typeface="Cascadia Code" panose="020B0609020000020004" pitchFamily="49" charset="0"/>
-              </a:rPr>
-              <a:t>.</a:t>
-            </a:r>
-            <a:r>
-              <a:rPr lang="en-CA" dirty="0" err="1">
-                <a:latin typeface="Cascadia Code" panose="020B0609020000020004" pitchFamily="49" charset="0"/>
-                <a:ea typeface="Cascadia Code" panose="020B0609020000020004" pitchFamily="49" charset="0"/>
-                <a:cs typeface="Cascadia Code" panose="020B0609020000020004" pitchFamily="49" charset="0"/>
-              </a:rPr>
-              <a:t>gitignore</a:t>
-            </a:r>
-            <a:r>
-              <a:rPr lang="en-CA" dirty="0"/>
-              <a:t> file</a:t>
-            </a:r>
-          </a:p>
-          <a:p>
-            <a:r>
-              <a:rPr lang="en-CA" dirty="0"/>
-              <a:t>Specify path with wildcards</a:t>
-            </a:r>
-          </a:p>
-          <a:p>
-            <a:r>
-              <a:rPr lang="en-CA" b="1" dirty="0"/>
-              <a:t>Best practice: </a:t>
-            </a:r>
-            <a:r>
-              <a:rPr lang="en-CA" dirty="0"/>
-              <a:t>use existing </a:t>
-            </a:r>
-            <a:r>
-              <a:rPr lang="en-CA" dirty="0">
-                <a:latin typeface="Cascadia Code" panose="020B0609020000020004" pitchFamily="49" charset="0"/>
-                <a:ea typeface="Cascadia Code" panose="020B0609020000020004" pitchFamily="49" charset="0"/>
-                <a:cs typeface="Cascadia Code" panose="020B0609020000020004" pitchFamily="49" charset="0"/>
-              </a:rPr>
-              <a:t>.</a:t>
-            </a:r>
-            <a:r>
-              <a:rPr lang="en-CA" dirty="0" err="1">
-                <a:latin typeface="Cascadia Code" panose="020B0609020000020004" pitchFamily="49" charset="0"/>
-                <a:ea typeface="Cascadia Code" panose="020B0609020000020004" pitchFamily="49" charset="0"/>
-                <a:cs typeface="Cascadia Code" panose="020B0609020000020004" pitchFamily="49" charset="0"/>
-              </a:rPr>
-              <a:t>gitignore</a:t>
-            </a:r>
-            <a:r>
-              <a:rPr lang="en-CA" dirty="0">
-                <a:latin typeface="Cascadia Code" panose="020B0609020000020004" pitchFamily="49" charset="0"/>
-                <a:ea typeface="Cascadia Code" panose="020B0609020000020004" pitchFamily="49" charset="0"/>
-                <a:cs typeface="Cascadia Code" panose="020B0609020000020004" pitchFamily="49" charset="0"/>
-              </a:rPr>
-              <a:t> </a:t>
-            </a:r>
-            <a:r>
-              <a:rPr lang="en-CA" dirty="0"/>
-              <a:t>templates</a:t>
-            </a:r>
-          </a:p>
-          <a:p>
-            <a:pPr lvl="1"/>
-            <a:r>
-              <a:rPr lang="en-CA" dirty="0"/>
-              <a:t>Find them on GitHub: https://github.com/github/gitignore/blob/main/Python.gitignore</a:t>
-            </a:r>
-          </a:p>
-        </p:txBody>
-      </p:sp>
-      <p:sp>
-        <p:nvSpPr>
-          <p:cNvPr id="4" name="Slide Number Placeholder 3">
-            <a:extLst>
-              <a:ext uri="{FF2B5EF4-FFF2-40B4-BE49-F238E27FC236}">
-                <a16:creationId xmlns:a16="http://schemas.microsoft.com/office/drawing/2014/main" id="{4ED4D23E-E799-1A74-2330-5BCAEE759D00}"/>
-              </a:ext>
-            </a:extLst>
-          </p:cNvPr>
-          <p:cNvSpPr>
-            <a:spLocks noGrp="1"/>
-          </p:cNvSpPr>
-          <p:nvPr>
-            <p:ph type="sldNum" sz="quarter" idx="12"/>
-          </p:nvPr>
-        </p:nvSpPr>
-        <p:spPr/>
-        <p:txBody>
-          <a:bodyPr/>
-          <a:lstStyle/>
-          <a:p>
-            <a:fld id="{4F883B06-9FA1-44A8-8ACD-51391BD89E0C}" type="slidenum">
-              <a:rPr lang="en-CA" smtClean="0"/>
-              <a:t>29</a:t>
-            </a:fld>
-            <a:endParaRPr lang="en-CA"/>
-          </a:p>
-        </p:txBody>
-      </p:sp>
-      <p:sp>
-        <p:nvSpPr>
-          <p:cNvPr id="5" name="Text Placeholder 4">
-            <a:extLst>
-              <a:ext uri="{FF2B5EF4-FFF2-40B4-BE49-F238E27FC236}">
-                <a16:creationId xmlns:a16="http://schemas.microsoft.com/office/drawing/2014/main" id="{CF04E62F-956A-76E6-CCBC-8FC8C58AB034}"/>
-              </a:ext>
-            </a:extLst>
-          </p:cNvPr>
-          <p:cNvSpPr>
-            <a:spLocks noGrp="1"/>
-          </p:cNvSpPr>
-          <p:nvPr>
-            <p:ph type="body" sz="quarter" idx="13"/>
-          </p:nvPr>
-        </p:nvSpPr>
-        <p:spPr/>
-        <p:txBody>
-          <a:bodyPr/>
-          <a:lstStyle/>
-          <a:p>
-            <a:r>
-              <a:rPr lang="en-CA"/>
-              <a:t>Git: </a:t>
-            </a:r>
-            <a:r>
-              <a:rPr lang="en-CA" b="0"/>
-              <a:t>Ignoring files</a:t>
-            </a:r>
-          </a:p>
-        </p:txBody>
-      </p:sp>
-    </p:spTree>
-    <p:extLst>
-      <p:ext uri="{BB962C8B-B14F-4D97-AF65-F5344CB8AC3E}">
-        <p14:creationId xmlns:p14="http://schemas.microsoft.com/office/powerpoint/2010/main" val="1435135678"/>
       </p:ext>
     </p:extLst>
   </p:cSld>
@@ -18059,371 +17292,6 @@
     <p:extLst>
       <p:ext uri="{BB962C8B-B14F-4D97-AF65-F5344CB8AC3E}">
         <p14:creationId xmlns:p14="http://schemas.microsoft.com/office/powerpoint/2010/main" val="2278848866"/>
-      </p:ext>
-    </p:extLst>
-  </p:cSld>
-  <p:clrMapOvr>
-    <a:masterClrMapping/>
-  </p:clrMapOvr>
-</p:sld>
-</file>
-
-<file path=ppt/slides/slide30.xml><?xml version="1.0" encoding="utf-8"?>
-<p:sld xmlns:a="http://schemas.openxmlformats.org/drawingml/2006/main" xmlns:r="http://schemas.openxmlformats.org/officeDocument/2006/relationships" xmlns:p="http://schemas.openxmlformats.org/presentationml/2006/main">
-  <p:cSld>
-    <p:spTree>
-      <p:nvGrpSpPr>
-        <p:cNvPr id="1" name="">
-          <a:extLst>
-            <a:ext uri="{FF2B5EF4-FFF2-40B4-BE49-F238E27FC236}">
-              <a16:creationId xmlns:a16="http://schemas.microsoft.com/office/drawing/2014/main" id="{B50B2765-CFBE-BC8B-360A-7C191A3E2583}"/>
-            </a:ext>
-          </a:extLst>
-        </p:cNvPr>
-        <p:cNvGrpSpPr/>
-        <p:nvPr/>
-      </p:nvGrpSpPr>
-      <p:grpSpPr>
-        <a:xfrm>
-          <a:off x="0" y="0"/>
-          <a:ext cx="0" cy="0"/>
-          <a:chOff x="0" y="0"/>
-          <a:chExt cx="0" cy="0"/>
-        </a:xfrm>
-      </p:grpSpPr>
-      <p:sp>
-        <p:nvSpPr>
-          <p:cNvPr id="4" name="Slide Number Placeholder 3">
-            <a:extLst>
-              <a:ext uri="{FF2B5EF4-FFF2-40B4-BE49-F238E27FC236}">
-                <a16:creationId xmlns:a16="http://schemas.microsoft.com/office/drawing/2014/main" id="{0656A112-104F-7A97-C5EA-E0CAB9D2D2DE}"/>
-              </a:ext>
-            </a:extLst>
-          </p:cNvPr>
-          <p:cNvSpPr>
-            <a:spLocks noGrp="1"/>
-          </p:cNvSpPr>
-          <p:nvPr>
-            <p:ph type="sldNum" sz="quarter" idx="12"/>
-          </p:nvPr>
-        </p:nvSpPr>
-        <p:spPr/>
-        <p:txBody>
-          <a:bodyPr/>
-          <a:lstStyle/>
-          <a:p>
-            <a:fld id="{4F883B06-9FA1-44A8-8ACD-51391BD89E0C}" type="slidenum">
-              <a:rPr lang="en-CA" smtClean="0"/>
-              <a:t>30</a:t>
-            </a:fld>
-            <a:endParaRPr lang="en-CA"/>
-          </a:p>
-        </p:txBody>
-      </p:sp>
-      <p:sp>
-        <p:nvSpPr>
-          <p:cNvPr id="6" name="Text Placeholder 5">
-            <a:extLst>
-              <a:ext uri="{FF2B5EF4-FFF2-40B4-BE49-F238E27FC236}">
-                <a16:creationId xmlns:a16="http://schemas.microsoft.com/office/drawing/2014/main" id="{BDE08975-8C3C-A22E-0641-BE97D39CA549}"/>
-              </a:ext>
-            </a:extLst>
-          </p:cNvPr>
-          <p:cNvSpPr>
-            <a:spLocks noGrp="1"/>
-          </p:cNvSpPr>
-          <p:nvPr>
-            <p:ph type="body" sz="quarter" idx="13"/>
-          </p:nvPr>
-        </p:nvSpPr>
-        <p:spPr>
-          <a:xfrm>
-            <a:off x="1410562" y="1230086"/>
-            <a:ext cx="8919981" cy="4397828"/>
-          </a:xfrm>
-        </p:spPr>
-        <p:txBody>
-          <a:bodyPr/>
-          <a:lstStyle/>
-          <a:p>
-            <a:pPr>
-              <a:lnSpc>
-                <a:spcPct val="125000"/>
-              </a:lnSpc>
-            </a:pPr>
-            <a:r>
-              <a:rPr lang="en-CA" sz="2400" dirty="0">
-                <a:solidFill>
-                  <a:srgbClr val="002A7E"/>
-                </a:solidFill>
-                <a:latin typeface="Inter Black" panose="02000A03000000020004" pitchFamily="2" charset="0"/>
-                <a:ea typeface="Inter Black" panose="02000A03000000020004" pitchFamily="2" charset="0"/>
-                <a:cs typeface="Inter Black" panose="02000A03000000020004" pitchFamily="2" charset="0"/>
-              </a:rPr>
-              <a:t>Course objective</a:t>
-            </a:r>
-          </a:p>
-          <a:p>
-            <a:pPr>
-              <a:lnSpc>
-                <a:spcPct val="125000"/>
-              </a:lnSpc>
-            </a:pPr>
-            <a:r>
-              <a:rPr lang="en-CA" dirty="0">
-                <a:latin typeface="Inter SemiBold" panose="02000703000000020004" pitchFamily="2" charset="0"/>
-                <a:ea typeface="Inter SemiBold" panose="02000703000000020004" pitchFamily="2" charset="0"/>
-                <a:cs typeface="Inter SemiBold" panose="02000703000000020004" pitchFamily="2" charset="0"/>
-              </a:rPr>
-              <a:t>How to write </a:t>
-            </a:r>
-            <a:r>
-              <a:rPr lang="en-CA" dirty="0">
-                <a:solidFill>
-                  <a:schemeClr val="accent1"/>
-                </a:solidFill>
-                <a:latin typeface="Inter SemiBold" panose="02000703000000020004" pitchFamily="2" charset="0"/>
-                <a:ea typeface="Inter SemiBold" panose="02000703000000020004" pitchFamily="2" charset="0"/>
-                <a:cs typeface="Inter SemiBold" panose="02000703000000020004" pitchFamily="2" charset="0"/>
-              </a:rPr>
-              <a:t>robust software</a:t>
-            </a:r>
-            <a:r>
-              <a:rPr lang="en-CA" dirty="0">
-                <a:latin typeface="Inter SemiBold" panose="02000703000000020004" pitchFamily="2" charset="0"/>
-                <a:ea typeface="Inter SemiBold" panose="02000703000000020004" pitchFamily="2" charset="0"/>
-                <a:cs typeface="Inter SemiBold" panose="02000703000000020004" pitchFamily="2" charset="0"/>
-              </a:rPr>
-              <a:t> in a </a:t>
-            </a:r>
-            <a:r>
-              <a:rPr lang="en-CA" dirty="0">
-                <a:solidFill>
-                  <a:schemeClr val="accent1"/>
-                </a:solidFill>
-                <a:latin typeface="Inter SemiBold" panose="02000703000000020004" pitchFamily="2" charset="0"/>
-                <a:ea typeface="Inter SemiBold" panose="02000703000000020004" pitchFamily="2" charset="0"/>
-                <a:cs typeface="Inter SemiBold" panose="02000703000000020004" pitchFamily="2" charset="0"/>
-              </a:rPr>
-              <a:t>team</a:t>
-            </a:r>
-            <a:r>
-              <a:rPr lang="en-CA" dirty="0">
-                <a:latin typeface="Inter SemiBold" panose="02000703000000020004" pitchFamily="2" charset="0"/>
-                <a:ea typeface="Inter SemiBold" panose="02000703000000020004" pitchFamily="2" charset="0"/>
-                <a:cs typeface="Inter SemiBold" panose="02000703000000020004" pitchFamily="2" charset="0"/>
-              </a:rPr>
-              <a:t> that we, our colleagues, and the public can </a:t>
-            </a:r>
-            <a:r>
-              <a:rPr lang="en-CA" dirty="0">
-                <a:solidFill>
-                  <a:schemeClr val="accent1"/>
-                </a:solidFill>
-                <a:latin typeface="Inter SemiBold" panose="02000703000000020004" pitchFamily="2" charset="0"/>
-                <a:ea typeface="Inter SemiBold" panose="02000703000000020004" pitchFamily="2" charset="0"/>
-                <a:cs typeface="Inter SemiBold" panose="02000703000000020004" pitchFamily="2" charset="0"/>
-              </a:rPr>
-              <a:t>trust</a:t>
-            </a:r>
-            <a:r>
-              <a:rPr lang="en-CA" dirty="0">
-                <a:latin typeface="Inter SemiBold" panose="02000703000000020004" pitchFamily="2" charset="0"/>
-                <a:ea typeface="Inter SemiBold" panose="02000703000000020004" pitchFamily="2" charset="0"/>
-                <a:cs typeface="Inter SemiBold" panose="02000703000000020004" pitchFamily="2" charset="0"/>
-              </a:rPr>
-              <a:t> and </a:t>
-            </a:r>
-            <a:r>
-              <a:rPr lang="en-CA" dirty="0">
-                <a:solidFill>
-                  <a:schemeClr val="accent1"/>
-                </a:solidFill>
-                <a:latin typeface="Inter SemiBold" panose="02000703000000020004" pitchFamily="2" charset="0"/>
-                <a:ea typeface="Inter SemiBold" panose="02000703000000020004" pitchFamily="2" charset="0"/>
-                <a:cs typeface="Inter SemiBold" panose="02000703000000020004" pitchFamily="2" charset="0"/>
-              </a:rPr>
-              <a:t>use with confidence</a:t>
-            </a:r>
-            <a:r>
-              <a:rPr lang="en-CA" dirty="0">
-                <a:latin typeface="Inter SemiBold" panose="02000703000000020004" pitchFamily="2" charset="0"/>
-                <a:ea typeface="Inter SemiBold" panose="02000703000000020004" pitchFamily="2" charset="0"/>
-                <a:cs typeface="Inter SemiBold" panose="02000703000000020004" pitchFamily="2" charset="0"/>
-              </a:rPr>
-              <a:t>.</a:t>
-            </a:r>
-          </a:p>
-        </p:txBody>
-      </p:sp>
-    </p:spTree>
-    <p:extLst>
-      <p:ext uri="{BB962C8B-B14F-4D97-AF65-F5344CB8AC3E}">
-        <p14:creationId xmlns:p14="http://schemas.microsoft.com/office/powerpoint/2010/main" val="4043788301"/>
-      </p:ext>
-    </p:extLst>
-  </p:cSld>
-  <p:clrMapOvr>
-    <a:masterClrMapping/>
-  </p:clrMapOvr>
-</p:sld>
-</file>
-
-<file path=ppt/slides/slide31.xml><?xml version="1.0" encoding="utf-8"?>
-<p:sld xmlns:a="http://schemas.openxmlformats.org/drawingml/2006/main" xmlns:r="http://schemas.openxmlformats.org/officeDocument/2006/relationships" xmlns:p="http://schemas.openxmlformats.org/presentationml/2006/main">
-  <p:cSld>
-    <p:spTree>
-      <p:nvGrpSpPr>
-        <p:cNvPr id="1" name=""/>
-        <p:cNvGrpSpPr/>
-        <p:nvPr/>
-      </p:nvGrpSpPr>
-      <p:grpSpPr>
-        <a:xfrm>
-          <a:off x="0" y="0"/>
-          <a:ext cx="0" cy="0"/>
-          <a:chOff x="0" y="0"/>
-          <a:chExt cx="0" cy="0"/>
-        </a:xfrm>
-      </p:grpSpPr>
-      <p:sp>
-        <p:nvSpPr>
-          <p:cNvPr id="7" name="Title 6">
-            <a:extLst>
-              <a:ext uri="{FF2B5EF4-FFF2-40B4-BE49-F238E27FC236}">
-                <a16:creationId xmlns:a16="http://schemas.microsoft.com/office/drawing/2014/main" id="{44459679-58C1-E569-6722-82FCE045FF38}"/>
-              </a:ext>
-            </a:extLst>
-          </p:cNvPr>
-          <p:cNvSpPr>
-            <a:spLocks noGrp="1"/>
-          </p:cNvSpPr>
-          <p:nvPr>
-            <p:ph type="title"/>
-          </p:nvPr>
-        </p:nvSpPr>
-        <p:spPr/>
-        <p:txBody>
-          <a:bodyPr/>
-          <a:lstStyle/>
-          <a:p>
-            <a:r>
-              <a:rPr lang="en-CA"/>
-              <a:t>Homework #2</a:t>
-            </a:r>
-          </a:p>
-        </p:txBody>
-      </p:sp>
-      <p:sp>
-        <p:nvSpPr>
-          <p:cNvPr id="8" name="Content Placeholder 7">
-            <a:extLst>
-              <a:ext uri="{FF2B5EF4-FFF2-40B4-BE49-F238E27FC236}">
-                <a16:creationId xmlns:a16="http://schemas.microsoft.com/office/drawing/2014/main" id="{781FE38C-6658-BF07-4611-32EB68E95835}"/>
-              </a:ext>
-            </a:extLst>
-          </p:cNvPr>
-          <p:cNvSpPr>
-            <a:spLocks noGrp="1"/>
-          </p:cNvSpPr>
-          <p:nvPr>
-            <p:ph idx="1"/>
-          </p:nvPr>
-        </p:nvSpPr>
-        <p:spPr/>
-        <p:txBody>
-          <a:bodyPr/>
-          <a:lstStyle/>
-          <a:p>
-            <a:r>
-              <a:rPr lang="en-CA"/>
-              <a:t>Due tomorrow before class</a:t>
-            </a:r>
-          </a:p>
-          <a:p>
-            <a:r>
-              <a:rPr lang="en-CA"/>
-              <a:t>Clone a repo, merge some branches, resolve a conflict</a:t>
-            </a:r>
-          </a:p>
-          <a:p>
-            <a:r>
-              <a:rPr lang="en-CA"/>
-              <a:t>This homework is also part of the Git Assignment</a:t>
-            </a:r>
-          </a:p>
-          <a:p>
-            <a:endParaRPr lang="en-CA"/>
-          </a:p>
-          <a:p>
-            <a:r>
-              <a:rPr lang="en-CA"/>
-              <a:t>Detailed instructions on the GitHub repo</a:t>
-            </a:r>
-          </a:p>
-          <a:p>
-            <a:endParaRPr lang="en-CA"/>
-          </a:p>
-        </p:txBody>
-      </p:sp>
-      <p:sp>
-        <p:nvSpPr>
-          <p:cNvPr id="4" name="Slide Number Placeholder 3">
-            <a:extLst>
-              <a:ext uri="{FF2B5EF4-FFF2-40B4-BE49-F238E27FC236}">
-                <a16:creationId xmlns:a16="http://schemas.microsoft.com/office/drawing/2014/main" id="{0F816E99-CAB3-4822-226F-E90A69C9D619}"/>
-              </a:ext>
-            </a:extLst>
-          </p:cNvPr>
-          <p:cNvSpPr>
-            <a:spLocks noGrp="1"/>
-          </p:cNvSpPr>
-          <p:nvPr>
-            <p:ph type="sldNum" sz="quarter" idx="12"/>
-          </p:nvPr>
-        </p:nvSpPr>
-        <p:spPr/>
-        <p:txBody>
-          <a:bodyPr/>
-          <a:lstStyle/>
-          <a:p>
-            <a:fld id="{4D042A53-EC6C-4ABE-8EF8-06E66F9ABFC9}" type="slidenum">
-              <a:rPr lang="en-CA" smtClean="0"/>
-              <a:t>31</a:t>
-            </a:fld>
-            <a:endParaRPr lang="en-CA"/>
-          </a:p>
-        </p:txBody>
-      </p:sp>
-      <p:sp>
-        <p:nvSpPr>
-          <p:cNvPr id="9" name="Text Placeholder 8">
-            <a:extLst>
-              <a:ext uri="{FF2B5EF4-FFF2-40B4-BE49-F238E27FC236}">
-                <a16:creationId xmlns:a16="http://schemas.microsoft.com/office/drawing/2014/main" id="{DA0E72EA-1C1B-56FB-6E13-2CFF94BE7C84}"/>
-              </a:ext>
-            </a:extLst>
-          </p:cNvPr>
-          <p:cNvSpPr>
-            <a:spLocks noGrp="1"/>
-          </p:cNvSpPr>
-          <p:nvPr>
-            <p:ph type="body" sz="quarter" idx="13"/>
-          </p:nvPr>
-        </p:nvSpPr>
-        <p:spPr/>
-        <p:txBody>
-          <a:bodyPr/>
-          <a:lstStyle/>
-          <a:p>
-            <a:endParaRPr lang="en-CA"/>
-          </a:p>
-        </p:txBody>
-      </p:sp>
-    </p:spTree>
-    <p:extLst>
-      <p:ext uri="{BB962C8B-B14F-4D97-AF65-F5344CB8AC3E}">
-        <p14:creationId xmlns:p14="http://schemas.microsoft.com/office/powerpoint/2010/main" val="1272274739"/>
       </p:ext>
     </p:extLst>
   </p:cSld>
